--- a/testing/integtestsupport/adoc/modules/integtestsupport/images/integ-tests.pptx
+++ b/testing/integtestsupport/adoc/modules/integtestsupport/images/integ-tests.pptx
@@ -105,6 +105,22 @@
       </a:defRPr>
     </a:lvl9pPr>
   </p:defaultTextStyle>
+  <p:extLst>
+    <p:ext uri="{EFAFB233-063F-42B5-8137-9DF3F51BA10A}">
+      <p15:sldGuideLst xmlns:p15="http://schemas.microsoft.com/office/powerpoint/2012/main">
+        <p15:guide id="1" orient="horz" pos="2160">
+          <p15:clr>
+            <a:srgbClr val="A4A3A4"/>
+          </p15:clr>
+        </p15:guide>
+        <p15:guide id="2" pos="2880">
+          <p15:clr>
+            <a:srgbClr val="A4A3A4"/>
+          </p15:clr>
+        </p15:guide>
+      </p15:sldGuideLst>
+    </p:ext>
+  </p:extLst>
 </p:presentation>
 </file>
 
@@ -146,7 +162,7 @@
           <a:lstStyle/>
           <a:p>
             <a:r>
-              <a:rPr lang="en-US" smtClean="0"/>
+              <a:rPr lang="en-US"/>
               <a:t>Click to edit Master title style</a:t>
             </a:r>
             <a:endParaRPr lang="en-GB"/>
@@ -265,7 +281,7 @@
           </a:lstStyle>
           <a:p>
             <a:r>
-              <a:rPr lang="en-US" smtClean="0"/>
+              <a:rPr lang="en-US"/>
               <a:t>Click to edit Master subtitle style</a:t>
             </a:r>
             <a:endParaRPr lang="en-GB"/>
@@ -289,7 +305,7 @@
           <a:p>
             <a:fld id="{1D3DCB31-7504-4127-8BC7-968211AC8F3C}" type="datetimeFigureOut">
               <a:rPr lang="en-GB" smtClean="0"/>
-              <a:t>15/05/2015</a:t>
+              <a:t>12/03/2023</a:t>
             </a:fld>
             <a:endParaRPr lang="en-GB"/>
           </a:p>
@@ -383,7 +399,7 @@
           <a:lstStyle/>
           <a:p>
             <a:r>
-              <a:rPr lang="en-US" smtClean="0"/>
+              <a:rPr lang="en-US"/>
               <a:t>Click to edit Master title style</a:t>
             </a:r>
             <a:endParaRPr lang="en-GB"/>
@@ -407,35 +423,35 @@
           <a:p>
             <a:pPr lvl="0"/>
             <a:r>
-              <a:rPr lang="en-US" smtClean="0"/>
+              <a:rPr lang="en-US"/>
               <a:t>Click to edit Master text styles</a:t>
             </a:r>
           </a:p>
           <a:p>
             <a:pPr lvl="1"/>
             <a:r>
-              <a:rPr lang="en-US" smtClean="0"/>
+              <a:rPr lang="en-US"/>
               <a:t>Second level</a:t>
             </a:r>
           </a:p>
           <a:p>
             <a:pPr lvl="2"/>
             <a:r>
-              <a:rPr lang="en-US" smtClean="0"/>
+              <a:rPr lang="en-US"/>
               <a:t>Third level</a:t>
             </a:r>
           </a:p>
           <a:p>
             <a:pPr lvl="3"/>
             <a:r>
-              <a:rPr lang="en-US" smtClean="0"/>
+              <a:rPr lang="en-US"/>
               <a:t>Fourth level</a:t>
             </a:r>
           </a:p>
           <a:p>
             <a:pPr lvl="4"/>
             <a:r>
-              <a:rPr lang="en-US" smtClean="0"/>
+              <a:rPr lang="en-US"/>
               <a:t>Fifth level</a:t>
             </a:r>
             <a:endParaRPr lang="en-GB"/>
@@ -459,7 +475,7 @@
           <a:p>
             <a:fld id="{1D3DCB31-7504-4127-8BC7-968211AC8F3C}" type="datetimeFigureOut">
               <a:rPr lang="en-GB" smtClean="0"/>
-              <a:t>15/05/2015</a:t>
+              <a:t>12/03/2023</a:t>
             </a:fld>
             <a:endParaRPr lang="en-GB"/>
           </a:p>
@@ -558,7 +574,7 @@
           <a:lstStyle/>
           <a:p>
             <a:r>
-              <a:rPr lang="en-US" smtClean="0"/>
+              <a:rPr lang="en-US"/>
               <a:t>Click to edit Master title style</a:t>
             </a:r>
             <a:endParaRPr lang="en-GB"/>
@@ -587,35 +603,35 @@
           <a:p>
             <a:pPr lvl="0"/>
             <a:r>
-              <a:rPr lang="en-US" smtClean="0"/>
+              <a:rPr lang="en-US"/>
               <a:t>Click to edit Master text styles</a:t>
             </a:r>
           </a:p>
           <a:p>
             <a:pPr lvl="1"/>
             <a:r>
-              <a:rPr lang="en-US" smtClean="0"/>
+              <a:rPr lang="en-US"/>
               <a:t>Second level</a:t>
             </a:r>
           </a:p>
           <a:p>
             <a:pPr lvl="2"/>
             <a:r>
-              <a:rPr lang="en-US" smtClean="0"/>
+              <a:rPr lang="en-US"/>
               <a:t>Third level</a:t>
             </a:r>
           </a:p>
           <a:p>
             <a:pPr lvl="3"/>
             <a:r>
-              <a:rPr lang="en-US" smtClean="0"/>
+              <a:rPr lang="en-US"/>
               <a:t>Fourth level</a:t>
             </a:r>
           </a:p>
           <a:p>
             <a:pPr lvl="4"/>
             <a:r>
-              <a:rPr lang="en-US" smtClean="0"/>
+              <a:rPr lang="en-US"/>
               <a:t>Fifth level</a:t>
             </a:r>
             <a:endParaRPr lang="en-GB"/>
@@ -639,7 +655,7 @@
           <a:p>
             <a:fld id="{1D3DCB31-7504-4127-8BC7-968211AC8F3C}" type="datetimeFigureOut">
               <a:rPr lang="en-GB" smtClean="0"/>
-              <a:t>15/05/2015</a:t>
+              <a:t>12/03/2023</a:t>
             </a:fld>
             <a:endParaRPr lang="en-GB"/>
           </a:p>
@@ -733,7 +749,7 @@
           <a:lstStyle/>
           <a:p>
             <a:r>
-              <a:rPr lang="en-US" smtClean="0"/>
+              <a:rPr lang="en-US"/>
               <a:t>Click to edit Master title style</a:t>
             </a:r>
             <a:endParaRPr lang="en-GB"/>
@@ -757,35 +773,35 @@
           <a:p>
             <a:pPr lvl="0"/>
             <a:r>
-              <a:rPr lang="en-US" smtClean="0"/>
+              <a:rPr lang="en-US"/>
               <a:t>Click to edit Master text styles</a:t>
             </a:r>
           </a:p>
           <a:p>
             <a:pPr lvl="1"/>
             <a:r>
-              <a:rPr lang="en-US" smtClean="0"/>
+              <a:rPr lang="en-US"/>
               <a:t>Second level</a:t>
             </a:r>
           </a:p>
           <a:p>
             <a:pPr lvl="2"/>
             <a:r>
-              <a:rPr lang="en-US" smtClean="0"/>
+              <a:rPr lang="en-US"/>
               <a:t>Third level</a:t>
             </a:r>
           </a:p>
           <a:p>
             <a:pPr lvl="3"/>
             <a:r>
-              <a:rPr lang="en-US" smtClean="0"/>
+              <a:rPr lang="en-US"/>
               <a:t>Fourth level</a:t>
             </a:r>
           </a:p>
           <a:p>
             <a:pPr lvl="4"/>
             <a:r>
-              <a:rPr lang="en-US" smtClean="0"/>
+              <a:rPr lang="en-US"/>
               <a:t>Fifth level</a:t>
             </a:r>
             <a:endParaRPr lang="en-GB"/>
@@ -809,7 +825,7 @@
           <a:p>
             <a:fld id="{1D3DCB31-7504-4127-8BC7-968211AC8F3C}" type="datetimeFigureOut">
               <a:rPr lang="en-GB" smtClean="0"/>
-              <a:t>15/05/2015</a:t>
+              <a:t>12/03/2023</a:t>
             </a:fld>
             <a:endParaRPr lang="en-GB"/>
           </a:p>
@@ -912,7 +928,7 @@
           </a:lstStyle>
           <a:p>
             <a:r>
-              <a:rPr lang="en-US" smtClean="0"/>
+              <a:rPr lang="en-US"/>
               <a:t>Click to edit Master title style</a:t>
             </a:r>
             <a:endParaRPr lang="en-GB"/>
@@ -1032,7 +1048,7 @@
           <a:p>
             <a:pPr lvl="0"/>
             <a:r>
-              <a:rPr lang="en-US" smtClean="0"/>
+              <a:rPr lang="en-US"/>
               <a:t>Click to edit Master text styles</a:t>
             </a:r>
           </a:p>
@@ -1055,7 +1071,7 @@
           <a:p>
             <a:fld id="{1D3DCB31-7504-4127-8BC7-968211AC8F3C}" type="datetimeFigureOut">
               <a:rPr lang="en-GB" smtClean="0"/>
-              <a:t>15/05/2015</a:t>
+              <a:t>12/03/2023</a:t>
             </a:fld>
             <a:endParaRPr lang="en-GB"/>
           </a:p>
@@ -1149,7 +1165,7 @@
           <a:lstStyle/>
           <a:p>
             <a:r>
-              <a:rPr lang="en-US" smtClean="0"/>
+              <a:rPr lang="en-US"/>
               <a:t>Click to edit Master title style</a:t>
             </a:r>
             <a:endParaRPr lang="en-GB"/>
@@ -1206,35 +1222,35 @@
           <a:p>
             <a:pPr lvl="0"/>
             <a:r>
-              <a:rPr lang="en-US" smtClean="0"/>
+              <a:rPr lang="en-US"/>
               <a:t>Click to edit Master text styles</a:t>
             </a:r>
           </a:p>
           <a:p>
             <a:pPr lvl="1"/>
             <a:r>
-              <a:rPr lang="en-US" smtClean="0"/>
+              <a:rPr lang="en-US"/>
               <a:t>Second level</a:t>
             </a:r>
           </a:p>
           <a:p>
             <a:pPr lvl="2"/>
             <a:r>
-              <a:rPr lang="en-US" smtClean="0"/>
+              <a:rPr lang="en-US"/>
               <a:t>Third level</a:t>
             </a:r>
           </a:p>
           <a:p>
             <a:pPr lvl="3"/>
             <a:r>
-              <a:rPr lang="en-US" smtClean="0"/>
+              <a:rPr lang="en-US"/>
               <a:t>Fourth level</a:t>
             </a:r>
           </a:p>
           <a:p>
             <a:pPr lvl="4"/>
             <a:r>
-              <a:rPr lang="en-US" smtClean="0"/>
+              <a:rPr lang="en-US"/>
               <a:t>Fifth level</a:t>
             </a:r>
             <a:endParaRPr lang="en-GB"/>
@@ -1291,35 +1307,35 @@
           <a:p>
             <a:pPr lvl="0"/>
             <a:r>
-              <a:rPr lang="en-US" smtClean="0"/>
+              <a:rPr lang="en-US"/>
               <a:t>Click to edit Master text styles</a:t>
             </a:r>
           </a:p>
           <a:p>
             <a:pPr lvl="1"/>
             <a:r>
-              <a:rPr lang="en-US" smtClean="0"/>
+              <a:rPr lang="en-US"/>
               <a:t>Second level</a:t>
             </a:r>
           </a:p>
           <a:p>
             <a:pPr lvl="2"/>
             <a:r>
-              <a:rPr lang="en-US" smtClean="0"/>
+              <a:rPr lang="en-US"/>
               <a:t>Third level</a:t>
             </a:r>
           </a:p>
           <a:p>
             <a:pPr lvl="3"/>
             <a:r>
-              <a:rPr lang="en-US" smtClean="0"/>
+              <a:rPr lang="en-US"/>
               <a:t>Fourth level</a:t>
             </a:r>
           </a:p>
           <a:p>
             <a:pPr lvl="4"/>
             <a:r>
-              <a:rPr lang="en-US" smtClean="0"/>
+              <a:rPr lang="en-US"/>
               <a:t>Fifth level</a:t>
             </a:r>
             <a:endParaRPr lang="en-GB"/>
@@ -1343,7 +1359,7 @@
           <a:p>
             <a:fld id="{1D3DCB31-7504-4127-8BC7-968211AC8F3C}" type="datetimeFigureOut">
               <a:rPr lang="en-GB" smtClean="0"/>
-              <a:t>15/05/2015</a:t>
+              <a:t>12/03/2023</a:t>
             </a:fld>
             <a:endParaRPr lang="en-GB"/>
           </a:p>
@@ -1441,7 +1457,7 @@
           </a:lstStyle>
           <a:p>
             <a:r>
-              <a:rPr lang="en-US" smtClean="0"/>
+              <a:rPr lang="en-US"/>
               <a:t>Click to edit Master title style</a:t>
             </a:r>
             <a:endParaRPr lang="en-GB"/>
@@ -1507,7 +1523,7 @@
           <a:p>
             <a:pPr lvl="0"/>
             <a:r>
-              <a:rPr lang="en-US" smtClean="0"/>
+              <a:rPr lang="en-US"/>
               <a:t>Click to edit Master text styles</a:t>
             </a:r>
           </a:p>
@@ -1563,35 +1579,35 @@
           <a:p>
             <a:pPr lvl="0"/>
             <a:r>
-              <a:rPr lang="en-US" smtClean="0"/>
+              <a:rPr lang="en-US"/>
               <a:t>Click to edit Master text styles</a:t>
             </a:r>
           </a:p>
           <a:p>
             <a:pPr lvl="1"/>
             <a:r>
-              <a:rPr lang="en-US" smtClean="0"/>
+              <a:rPr lang="en-US"/>
               <a:t>Second level</a:t>
             </a:r>
           </a:p>
           <a:p>
             <a:pPr lvl="2"/>
             <a:r>
-              <a:rPr lang="en-US" smtClean="0"/>
+              <a:rPr lang="en-US"/>
               <a:t>Third level</a:t>
             </a:r>
           </a:p>
           <a:p>
             <a:pPr lvl="3"/>
             <a:r>
-              <a:rPr lang="en-US" smtClean="0"/>
+              <a:rPr lang="en-US"/>
               <a:t>Fourth level</a:t>
             </a:r>
           </a:p>
           <a:p>
             <a:pPr lvl="4"/>
             <a:r>
-              <a:rPr lang="en-US" smtClean="0"/>
+              <a:rPr lang="en-US"/>
               <a:t>Fifth level</a:t>
             </a:r>
             <a:endParaRPr lang="en-GB"/>
@@ -1657,7 +1673,7 @@
           <a:p>
             <a:pPr lvl="0"/>
             <a:r>
-              <a:rPr lang="en-US" smtClean="0"/>
+              <a:rPr lang="en-US"/>
               <a:t>Click to edit Master text styles</a:t>
             </a:r>
           </a:p>
@@ -1713,35 +1729,35 @@
           <a:p>
             <a:pPr lvl="0"/>
             <a:r>
-              <a:rPr lang="en-US" smtClean="0"/>
+              <a:rPr lang="en-US"/>
               <a:t>Click to edit Master text styles</a:t>
             </a:r>
           </a:p>
           <a:p>
             <a:pPr lvl="1"/>
             <a:r>
-              <a:rPr lang="en-US" smtClean="0"/>
+              <a:rPr lang="en-US"/>
               <a:t>Second level</a:t>
             </a:r>
           </a:p>
           <a:p>
             <a:pPr lvl="2"/>
             <a:r>
-              <a:rPr lang="en-US" smtClean="0"/>
+              <a:rPr lang="en-US"/>
               <a:t>Third level</a:t>
             </a:r>
           </a:p>
           <a:p>
             <a:pPr lvl="3"/>
             <a:r>
-              <a:rPr lang="en-US" smtClean="0"/>
+              <a:rPr lang="en-US"/>
               <a:t>Fourth level</a:t>
             </a:r>
           </a:p>
           <a:p>
             <a:pPr lvl="4"/>
             <a:r>
-              <a:rPr lang="en-US" smtClean="0"/>
+              <a:rPr lang="en-US"/>
               <a:t>Fifth level</a:t>
             </a:r>
             <a:endParaRPr lang="en-GB"/>
@@ -1765,7 +1781,7 @@
           <a:p>
             <a:fld id="{1D3DCB31-7504-4127-8BC7-968211AC8F3C}" type="datetimeFigureOut">
               <a:rPr lang="en-GB" smtClean="0"/>
-              <a:t>15/05/2015</a:t>
+              <a:t>12/03/2023</a:t>
             </a:fld>
             <a:endParaRPr lang="en-GB"/>
           </a:p>
@@ -1859,7 +1875,7 @@
           <a:lstStyle/>
           <a:p>
             <a:r>
-              <a:rPr lang="en-US" smtClean="0"/>
+              <a:rPr lang="en-US"/>
               <a:t>Click to edit Master title style</a:t>
             </a:r>
             <a:endParaRPr lang="en-GB"/>
@@ -1883,7 +1899,7 @@
           <a:p>
             <a:fld id="{1D3DCB31-7504-4127-8BC7-968211AC8F3C}" type="datetimeFigureOut">
               <a:rPr lang="en-GB" smtClean="0"/>
-              <a:t>15/05/2015</a:t>
+              <a:t>12/03/2023</a:t>
             </a:fld>
             <a:endParaRPr lang="en-GB"/>
           </a:p>
@@ -1978,7 +1994,7 @@
           <a:p>
             <a:fld id="{1D3DCB31-7504-4127-8BC7-968211AC8F3C}" type="datetimeFigureOut">
               <a:rPr lang="en-GB" smtClean="0"/>
-              <a:t>15/05/2015</a:t>
+              <a:t>12/03/2023</a:t>
             </a:fld>
             <a:endParaRPr lang="en-GB"/>
           </a:p>
@@ -2081,7 +2097,7 @@
           </a:lstStyle>
           <a:p>
             <a:r>
-              <a:rPr lang="en-US" smtClean="0"/>
+              <a:rPr lang="en-US"/>
               <a:t>Click to edit Master title style</a:t>
             </a:r>
             <a:endParaRPr lang="en-GB"/>
@@ -2138,35 +2154,35 @@
           <a:p>
             <a:pPr lvl="0"/>
             <a:r>
-              <a:rPr lang="en-US" smtClean="0"/>
+              <a:rPr lang="en-US"/>
               <a:t>Click to edit Master text styles</a:t>
             </a:r>
           </a:p>
           <a:p>
             <a:pPr lvl="1"/>
             <a:r>
-              <a:rPr lang="en-US" smtClean="0"/>
+              <a:rPr lang="en-US"/>
               <a:t>Second level</a:t>
             </a:r>
           </a:p>
           <a:p>
             <a:pPr lvl="2"/>
             <a:r>
-              <a:rPr lang="en-US" smtClean="0"/>
+              <a:rPr lang="en-US"/>
               <a:t>Third level</a:t>
             </a:r>
           </a:p>
           <a:p>
             <a:pPr lvl="3"/>
             <a:r>
-              <a:rPr lang="en-US" smtClean="0"/>
+              <a:rPr lang="en-US"/>
               <a:t>Fourth level</a:t>
             </a:r>
           </a:p>
           <a:p>
             <a:pPr lvl="4"/>
             <a:r>
-              <a:rPr lang="en-US" smtClean="0"/>
+              <a:rPr lang="en-US"/>
               <a:t>Fifth level</a:t>
             </a:r>
             <a:endParaRPr lang="en-GB"/>
@@ -2232,7 +2248,7 @@
           <a:p>
             <a:pPr lvl="0"/>
             <a:r>
-              <a:rPr lang="en-US" smtClean="0"/>
+              <a:rPr lang="en-US"/>
               <a:t>Click to edit Master text styles</a:t>
             </a:r>
           </a:p>
@@ -2255,7 +2271,7 @@
           <a:p>
             <a:fld id="{1D3DCB31-7504-4127-8BC7-968211AC8F3C}" type="datetimeFigureOut">
               <a:rPr lang="en-GB" smtClean="0"/>
-              <a:t>15/05/2015</a:t>
+              <a:t>12/03/2023</a:t>
             </a:fld>
             <a:endParaRPr lang="en-GB"/>
           </a:p>
@@ -2358,7 +2374,7 @@
           </a:lstStyle>
           <a:p>
             <a:r>
-              <a:rPr lang="en-US" smtClean="0"/>
+              <a:rPr lang="en-US"/>
               <a:t>Click to edit Master title style</a:t>
             </a:r>
             <a:endParaRPr lang="en-GB"/>
@@ -2485,7 +2501,7 @@
           <a:p>
             <a:pPr lvl="0"/>
             <a:r>
-              <a:rPr lang="en-US" smtClean="0"/>
+              <a:rPr lang="en-US"/>
               <a:t>Click to edit Master text styles</a:t>
             </a:r>
           </a:p>
@@ -2508,7 +2524,7 @@
           <a:p>
             <a:fld id="{1D3DCB31-7504-4127-8BC7-968211AC8F3C}" type="datetimeFigureOut">
               <a:rPr lang="en-GB" smtClean="0"/>
-              <a:t>15/05/2015</a:t>
+              <a:t>12/03/2023</a:t>
             </a:fld>
             <a:endParaRPr lang="en-GB"/>
           </a:p>
@@ -2617,7 +2633,7 @@
           <a:lstStyle/>
           <a:p>
             <a:r>
-              <a:rPr lang="en-US" smtClean="0"/>
+              <a:rPr lang="en-US"/>
               <a:t>Click to edit Master title style</a:t>
             </a:r>
             <a:endParaRPr lang="en-GB"/>
@@ -2651,35 +2667,35 @@
           <a:p>
             <a:pPr lvl="0"/>
             <a:r>
-              <a:rPr lang="en-US" smtClean="0"/>
+              <a:rPr lang="en-US"/>
               <a:t>Click to edit Master text styles</a:t>
             </a:r>
           </a:p>
           <a:p>
             <a:pPr lvl="1"/>
             <a:r>
-              <a:rPr lang="en-US" smtClean="0"/>
+              <a:rPr lang="en-US"/>
               <a:t>Second level</a:t>
             </a:r>
           </a:p>
           <a:p>
             <a:pPr lvl="2"/>
             <a:r>
-              <a:rPr lang="en-US" smtClean="0"/>
+              <a:rPr lang="en-US"/>
               <a:t>Third level</a:t>
             </a:r>
           </a:p>
           <a:p>
             <a:pPr lvl="3"/>
             <a:r>
-              <a:rPr lang="en-US" smtClean="0"/>
+              <a:rPr lang="en-US"/>
               <a:t>Fourth level</a:t>
             </a:r>
           </a:p>
           <a:p>
             <a:pPr lvl="4"/>
             <a:r>
-              <a:rPr lang="en-US" smtClean="0"/>
+              <a:rPr lang="en-US"/>
               <a:t>Fifth level</a:t>
             </a:r>
             <a:endParaRPr lang="en-GB"/>
@@ -2721,7 +2737,7 @@
           <a:p>
             <a:fld id="{1D3DCB31-7504-4127-8BC7-968211AC8F3C}" type="datetimeFigureOut">
               <a:rPr lang="en-GB" smtClean="0"/>
-              <a:t>15/05/2015</a:t>
+              <a:t>12/03/2023</a:t>
             </a:fld>
             <a:endParaRPr lang="en-GB"/>
           </a:p>
@@ -3173,20 +3189,12 @@
           <a:p>
             <a:pPr algn="ctr"/>
             <a:r>
-              <a:rPr lang="en-GB" dirty="0" smtClean="0">
+              <a:rPr lang="en-GB" dirty="0">
                 <a:solidFill>
                   <a:schemeClr val="lt1"/>
                 </a:solidFill>
               </a:rPr>
               <a:t>Wrapper</a:t>
-            </a:r>
-            <a:r>
-              <a:rPr lang="en-GB" dirty="0">
-                <a:solidFill>
-                  <a:schemeClr val="lt1"/>
-                </a:solidFill>
-              </a:rPr>
-              <a:t/>
             </a:r>
             <a:br>
               <a:rPr lang="en-GB" dirty="0">
@@ -3196,18 +3204,13 @@
               </a:rPr>
             </a:br>
             <a:r>
-              <a:rPr lang="en-GB" dirty="0" smtClean="0">
+              <a:rPr lang="en-GB" dirty="0">
                 <a:solidFill>
                   <a:schemeClr val="lt1"/>
                 </a:solidFill>
               </a:rPr>
               <a:t>object</a:t>
             </a:r>
-            <a:endParaRPr lang="en-GB" dirty="0">
-              <a:solidFill>
-                <a:schemeClr val="lt1"/>
-              </a:solidFill>
-            </a:endParaRPr>
           </a:p>
         </p:txBody>
       </p:sp>
@@ -3287,10 +3290,9 @@
           <a:p>
             <a:pPr algn="ctr"/>
             <a:r>
-              <a:rPr lang="en-GB" dirty="0" smtClean="0"/>
+              <a:rPr lang="en-GB" dirty="0"/>
               <a:t>DB</a:t>
             </a:r>
-            <a:endParaRPr lang="en-GB" dirty="0"/>
           </a:p>
         </p:txBody>
       </p:sp>
@@ -3384,17 +3386,16 @@
             <a:p>
               <a:pPr algn="ctr"/>
               <a:r>
-                <a:rPr lang="en-GB" dirty="0" smtClean="0"/>
+                <a:rPr lang="en-GB" dirty="0"/>
                 <a:t>Integration</a:t>
               </a:r>
             </a:p>
             <a:p>
               <a:pPr algn="ctr"/>
               <a:r>
-                <a:rPr lang="en-GB" dirty="0" smtClean="0"/>
+                <a:rPr lang="en-GB" dirty="0"/>
                 <a:t>Test</a:t>
               </a:r>
-              <a:endParaRPr lang="en-GB" dirty="0"/>
             </a:p>
           </p:txBody>
         </p:sp>
@@ -3477,17 +3478,16 @@
           <a:p>
             <a:pPr algn="ctr"/>
             <a:r>
-              <a:rPr lang="en-GB" dirty="0" smtClean="0"/>
+              <a:rPr lang="en-GB" dirty="0"/>
               <a:t>Domain</a:t>
             </a:r>
             <a:br>
-              <a:rPr lang="en-GB" dirty="0" smtClean="0"/>
+              <a:rPr lang="en-GB" dirty="0"/>
             </a:br>
             <a:r>
-              <a:rPr lang="en-GB" dirty="0" smtClean="0"/>
+              <a:rPr lang="en-GB" dirty="0"/>
               <a:t>object</a:t>
             </a:r>
-            <a:endParaRPr lang="en-GB" dirty="0"/>
           </a:p>
         </p:txBody>
       </p:sp>
@@ -3514,10 +3514,9 @@
           <a:lstStyle/>
           <a:p>
             <a:r>
-              <a:rPr lang="en-GB" dirty="0" smtClean="0"/>
+              <a:rPr lang="en-GB" dirty="0"/>
               <a:t>Domain</a:t>
             </a:r>
-            <a:endParaRPr lang="en-GB" dirty="0"/>
           </a:p>
         </p:txBody>
       </p:sp>
@@ -3545,10 +3544,9 @@
           <a:p>
             <a:pPr algn="ctr"/>
             <a:r>
-              <a:rPr lang="en-GB" dirty="0" smtClean="0"/>
+              <a:rPr lang="en-GB" dirty="0"/>
               <a:t>UI</a:t>
             </a:r>
-            <a:endParaRPr lang="en-GB" dirty="0"/>
           </a:p>
         </p:txBody>
       </p:sp>
@@ -3575,10 +3573,9 @@
           <a:lstStyle/>
           <a:p>
             <a:r>
-              <a:rPr lang="en-GB" dirty="0" smtClean="0"/>
+              <a:rPr lang="en-GB" dirty="0"/>
               <a:t>Persistence</a:t>
             </a:r>
-            <a:endParaRPr lang="en-GB" dirty="0"/>
           </a:p>
         </p:txBody>
       </p:sp>
@@ -3605,10 +3602,9 @@
           <a:lstStyle/>
           <a:p>
             <a:r>
-              <a:rPr lang="en-GB" dirty="0" smtClean="0"/>
+              <a:rPr lang="en-GB" dirty="0"/>
               <a:t>Test</a:t>
             </a:r>
-            <a:endParaRPr lang="en-GB" dirty="0"/>
           </a:p>
         </p:txBody>
       </p:sp>
@@ -3818,20 +3814,12 @@
           <a:p>
             <a:pPr algn="ctr"/>
             <a:r>
-              <a:rPr lang="en-GB" dirty="0" smtClean="0">
+              <a:rPr lang="en-GB" dirty="0">
                 <a:solidFill>
                   <a:schemeClr val="lt1"/>
                 </a:solidFill>
               </a:rPr>
               <a:t>Wrapper</a:t>
-            </a:r>
-            <a:r>
-              <a:rPr lang="en-GB" dirty="0">
-                <a:solidFill>
-                  <a:schemeClr val="lt1"/>
-                </a:solidFill>
-              </a:rPr>
-              <a:t/>
             </a:r>
             <a:br>
               <a:rPr lang="en-GB" dirty="0">
@@ -3841,18 +3829,13 @@
               </a:rPr>
             </a:br>
             <a:r>
-              <a:rPr lang="en-GB" dirty="0" smtClean="0">
+              <a:rPr lang="en-GB" dirty="0">
                 <a:solidFill>
                   <a:schemeClr val="lt1"/>
                 </a:solidFill>
               </a:rPr>
               <a:t>object</a:t>
             </a:r>
-            <a:endParaRPr lang="en-GB" dirty="0">
-              <a:solidFill>
-                <a:schemeClr val="lt1"/>
-              </a:solidFill>
-            </a:endParaRPr>
           </a:p>
         </p:txBody>
       </p:sp>
@@ -3946,17 +3929,16 @@
             <a:p>
               <a:pPr algn="ctr"/>
               <a:r>
-                <a:rPr lang="en-GB" dirty="0" smtClean="0"/>
+                <a:rPr lang="en-GB" dirty="0"/>
                 <a:t>Integration</a:t>
               </a:r>
             </a:p>
             <a:p>
               <a:pPr algn="ctr"/>
               <a:r>
-                <a:rPr lang="en-GB" dirty="0" smtClean="0"/>
+                <a:rPr lang="en-GB" dirty="0"/>
                 <a:t>Test</a:t>
               </a:r>
-              <a:endParaRPr lang="en-GB" dirty="0"/>
             </a:p>
           </p:txBody>
         </p:sp>
@@ -4039,17 +4021,16 @@
           <a:p>
             <a:pPr algn="ctr"/>
             <a:r>
-              <a:rPr lang="en-GB" dirty="0" smtClean="0"/>
+              <a:rPr lang="en-GB" dirty="0"/>
               <a:t>Domain</a:t>
             </a:r>
             <a:br>
-              <a:rPr lang="en-GB" dirty="0" smtClean="0"/>
+              <a:rPr lang="en-GB" dirty="0"/>
             </a:br>
             <a:r>
-              <a:rPr lang="en-GB" dirty="0" smtClean="0"/>
+              <a:rPr lang="en-GB" dirty="0"/>
               <a:t>object</a:t>
             </a:r>
-            <a:endParaRPr lang="en-GB" dirty="0"/>
           </a:p>
         </p:txBody>
       </p:sp>
@@ -4090,11 +4071,11 @@
           <a:p>
             <a:pPr algn="ctr"/>
             <a:r>
-              <a:rPr lang="en-GB" dirty="0" smtClean="0"/>
-              <a:t>Isis </a:t>
-            </a:r>
-            <a:r>
-              <a:rPr lang="en-GB" dirty="0" err="1" smtClean="0"/>
+              <a:rPr lang="en-GB"/>
+              <a:t>Causeway </a:t>
+            </a:r>
+            <a:r>
+              <a:rPr lang="en-GB" dirty="0" err="1"/>
               <a:t>metamodel</a:t>
             </a:r>
             <a:endParaRPr lang="en-GB" dirty="0"/>
